--- a/FinalProject_KimLe/GA_DataScience_FinalProject_KimLe_March2018v2.pptx
+++ b/FinalProject_KimLe/GA_DataScience_FinalProject_KimLe_March2018v2.pptx
@@ -301,7 +301,7 @@
           <a:p>
             <a:fld id="{6BFECD78-3C8E-49F2-8FAB-59489D168ABB}" type="datetimeFigureOut">
               <a:rPr lang="en-US" smtClean="0"/>
-              <a:t>3/18/18</a:t>
+              <a:t>3/20/18</a:t>
             </a:fld>
             <a:endParaRPr lang="en-US"/>
           </a:p>
@@ -471,7 +471,7 @@
           <a:p>
             <a:fld id="{6BFECD78-3C8E-49F2-8FAB-59489D168ABB}" type="datetimeFigureOut">
               <a:rPr lang="en-US" smtClean="0"/>
-              <a:t>3/18/18</a:t>
+              <a:t>3/20/18</a:t>
             </a:fld>
             <a:endParaRPr lang="en-US"/>
           </a:p>
@@ -651,7 +651,7 @@
           <a:p>
             <a:fld id="{6BFECD78-3C8E-49F2-8FAB-59489D168ABB}" type="datetimeFigureOut">
               <a:rPr lang="en-US" smtClean="0"/>
-              <a:t>3/18/18</a:t>
+              <a:t>3/20/18</a:t>
             </a:fld>
             <a:endParaRPr lang="en-US"/>
           </a:p>
@@ -821,7 +821,7 @@
           <a:p>
             <a:fld id="{6BFECD78-3C8E-49F2-8FAB-59489D168ABB}" type="datetimeFigureOut">
               <a:rPr lang="en-US" smtClean="0"/>
-              <a:t>3/18/18</a:t>
+              <a:t>3/20/18</a:t>
             </a:fld>
             <a:endParaRPr lang="en-US"/>
           </a:p>
@@ -1067,7 +1067,7 @@
           <a:p>
             <a:fld id="{6BFECD78-3C8E-49F2-8FAB-59489D168ABB}" type="datetimeFigureOut">
               <a:rPr lang="en-US" smtClean="0"/>
-              <a:t>3/18/18</a:t>
+              <a:t>3/20/18</a:t>
             </a:fld>
             <a:endParaRPr lang="en-US"/>
           </a:p>
@@ -1355,7 +1355,7 @@
           <a:p>
             <a:fld id="{6BFECD78-3C8E-49F2-8FAB-59489D168ABB}" type="datetimeFigureOut">
               <a:rPr lang="en-US" smtClean="0"/>
-              <a:t>3/18/18</a:t>
+              <a:t>3/20/18</a:t>
             </a:fld>
             <a:endParaRPr lang="en-US"/>
           </a:p>
@@ -1777,7 +1777,7 @@
           <a:p>
             <a:fld id="{6BFECD78-3C8E-49F2-8FAB-59489D168ABB}" type="datetimeFigureOut">
               <a:rPr lang="en-US" smtClean="0"/>
-              <a:t>3/18/18</a:t>
+              <a:t>3/20/18</a:t>
             </a:fld>
             <a:endParaRPr lang="en-US"/>
           </a:p>
@@ -1895,7 +1895,7 @@
           <a:p>
             <a:fld id="{6BFECD78-3C8E-49F2-8FAB-59489D168ABB}" type="datetimeFigureOut">
               <a:rPr lang="en-US" smtClean="0"/>
-              <a:t>3/18/18</a:t>
+              <a:t>3/20/18</a:t>
             </a:fld>
             <a:endParaRPr lang="en-US"/>
           </a:p>
@@ -1990,7 +1990,7 @@
           <a:p>
             <a:fld id="{6BFECD78-3C8E-49F2-8FAB-59489D168ABB}" type="datetimeFigureOut">
               <a:rPr lang="en-US" smtClean="0"/>
-              <a:t>3/18/18</a:t>
+              <a:t>3/20/18</a:t>
             </a:fld>
             <a:endParaRPr lang="en-US"/>
           </a:p>
@@ -2267,7 +2267,7 @@
           <a:p>
             <a:fld id="{6BFECD78-3C8E-49F2-8FAB-59489D168ABB}" type="datetimeFigureOut">
               <a:rPr lang="en-US" smtClean="0"/>
-              <a:t>3/18/18</a:t>
+              <a:t>3/20/18</a:t>
             </a:fld>
             <a:endParaRPr lang="en-US"/>
           </a:p>
@@ -2524,7 +2524,7 @@
           <a:p>
             <a:fld id="{6BFECD78-3C8E-49F2-8FAB-59489D168ABB}" type="datetimeFigureOut">
               <a:rPr lang="en-US" smtClean="0"/>
-              <a:t>3/18/18</a:t>
+              <a:t>3/20/18</a:t>
             </a:fld>
             <a:endParaRPr lang="en-US"/>
           </a:p>
@@ -2737,7 +2737,7 @@
           <a:p>
             <a:fld id="{6BFECD78-3C8E-49F2-8FAB-59489D168ABB}" type="datetimeFigureOut">
               <a:rPr lang="en-US" smtClean="0"/>
-              <a:t>3/18/18</a:t>
+              <a:t>3/20/18</a:t>
             </a:fld>
             <a:endParaRPr lang="en-US"/>
           </a:p>
@@ -3607,7 +3607,7 @@
         <p:spPr/>
         <p:txBody>
           <a:bodyPr>
-            <a:normAutofit fontScale="77500" lnSpcReduction="20000"/>
+            <a:normAutofit fontScale="70000" lnSpcReduction="20000"/>
           </a:bodyPr>
           <a:lstStyle/>
           <a:p>
@@ -3647,15 +3647,7 @@
                   <a:srgbClr val="FF0000"/>
                 </a:solidFill>
               </a:rPr>
-              <a:t>Knears</a:t>
-            </a:r>
-            <a:r>
-              <a:rPr lang="en-US" dirty="0" err="1" smtClean="0">
-                <a:solidFill>
-                  <a:srgbClr val="FF0000"/>
-                </a:solidFill>
-              </a:rPr>
-              <a:t>neighbors</a:t>
+              <a:t>Knearsneighbors</a:t>
             </a:r>
             <a:r>
               <a:rPr lang="en-US" dirty="0" smtClean="0">
@@ -3797,6 +3789,18 @@
               </a:rPr>
               <a:t>” to see what time of day does it affect predictions. </a:t>
             </a:r>
+            <a:endParaRPr lang="en-US" dirty="0" smtClean="0">
+              <a:solidFill>
+                <a:srgbClr val="FF0000"/>
+              </a:solidFill>
+            </a:endParaRPr>
+          </a:p>
+          <a:p>
+            <a:endParaRPr lang="en-US" dirty="0" smtClean="0">
+              <a:solidFill>
+                <a:srgbClr val="FF0000"/>
+              </a:solidFill>
+            </a:endParaRPr>
           </a:p>
           <a:p>
             <a:r>
@@ -4572,7 +4576,7 @@
         </p:nvSpPr>
         <p:spPr>
           <a:xfrm>
-            <a:off x="457200" y="1043129"/>
+            <a:off x="270454" y="490492"/>
             <a:ext cx="8229600" cy="1143000"/>
           </a:xfrm>
         </p:spPr>
@@ -4584,11 +4588,23 @@
           <a:p>
             <a:r>
               <a:rPr lang="en-US" dirty="0" smtClean="0"/>
-              <a:t>25% met funded project goals</a:t>
+              <a:t>25% met funded project </a:t>
+            </a:r>
+            <a:r>
+              <a:rPr lang="en-US" dirty="0" smtClean="0"/>
+              <a:t>goals by </a:t>
+            </a:r>
+            <a:r>
+              <a:rPr lang="en-US" smtClean="0"/>
+              <a:t>more than 100% </a:t>
             </a:r>
             <a:br>
-              <a:rPr lang="en-US" dirty="0" smtClean="0"/>
+              <a:rPr lang="en-US" smtClean="0"/>
             </a:br>
+            <a:r>
+              <a:rPr lang="en-US" smtClean="0"/>
+              <a:t>&gt;</a:t>
+            </a:r>
             <a:r>
               <a:rPr lang="en-US" dirty="0"/>
               <a:t/>

--- a/FinalProject_KimLe/GA_DataScience_FinalProject_KimLe_March2018v2.pptx
+++ b/FinalProject_KimLe/GA_DataScience_FinalProject_KimLe_March2018v2.pptx
@@ -16,9 +16,11 @@
     <p:sldId id="263" r:id="rId10"/>
     <p:sldId id="265" r:id="rId11"/>
     <p:sldId id="266" r:id="rId12"/>
-    <p:sldId id="268" r:id="rId13"/>
-    <p:sldId id="269" r:id="rId14"/>
-    <p:sldId id="270" r:id="rId15"/>
+    <p:sldId id="271" r:id="rId13"/>
+    <p:sldId id="268" r:id="rId14"/>
+    <p:sldId id="272" r:id="rId15"/>
+    <p:sldId id="269" r:id="rId16"/>
+    <p:sldId id="270" r:id="rId17"/>
   </p:sldIdLst>
   <p:sldSz cx="9144000" cy="6858000" type="screen4x3"/>
   <p:notesSz cx="6858000" cy="9144000"/>
@@ -301,7 +303,7 @@
           <a:p>
             <a:fld id="{6BFECD78-3C8E-49F2-8FAB-59489D168ABB}" type="datetimeFigureOut">
               <a:rPr lang="en-US" smtClean="0"/>
-              <a:t>3/20/18</a:t>
+              <a:t>3/22/18</a:t>
             </a:fld>
             <a:endParaRPr lang="en-US"/>
           </a:p>
@@ -471,7 +473,7 @@
           <a:p>
             <a:fld id="{6BFECD78-3C8E-49F2-8FAB-59489D168ABB}" type="datetimeFigureOut">
               <a:rPr lang="en-US" smtClean="0"/>
-              <a:t>3/20/18</a:t>
+              <a:t>3/22/18</a:t>
             </a:fld>
             <a:endParaRPr lang="en-US"/>
           </a:p>
@@ -651,7 +653,7 @@
           <a:p>
             <a:fld id="{6BFECD78-3C8E-49F2-8FAB-59489D168ABB}" type="datetimeFigureOut">
               <a:rPr lang="en-US" smtClean="0"/>
-              <a:t>3/20/18</a:t>
+              <a:t>3/22/18</a:t>
             </a:fld>
             <a:endParaRPr lang="en-US"/>
           </a:p>
@@ -821,7 +823,7 @@
           <a:p>
             <a:fld id="{6BFECD78-3C8E-49F2-8FAB-59489D168ABB}" type="datetimeFigureOut">
               <a:rPr lang="en-US" smtClean="0"/>
-              <a:t>3/20/18</a:t>
+              <a:t>3/22/18</a:t>
             </a:fld>
             <a:endParaRPr lang="en-US"/>
           </a:p>
@@ -1067,7 +1069,7 @@
           <a:p>
             <a:fld id="{6BFECD78-3C8E-49F2-8FAB-59489D168ABB}" type="datetimeFigureOut">
               <a:rPr lang="en-US" smtClean="0"/>
-              <a:t>3/20/18</a:t>
+              <a:t>3/22/18</a:t>
             </a:fld>
             <a:endParaRPr lang="en-US"/>
           </a:p>
@@ -1355,7 +1357,7 @@
           <a:p>
             <a:fld id="{6BFECD78-3C8E-49F2-8FAB-59489D168ABB}" type="datetimeFigureOut">
               <a:rPr lang="en-US" smtClean="0"/>
-              <a:t>3/20/18</a:t>
+              <a:t>3/22/18</a:t>
             </a:fld>
             <a:endParaRPr lang="en-US"/>
           </a:p>
@@ -1777,7 +1779,7 @@
           <a:p>
             <a:fld id="{6BFECD78-3C8E-49F2-8FAB-59489D168ABB}" type="datetimeFigureOut">
               <a:rPr lang="en-US" smtClean="0"/>
-              <a:t>3/20/18</a:t>
+              <a:t>3/22/18</a:t>
             </a:fld>
             <a:endParaRPr lang="en-US"/>
           </a:p>
@@ -1895,7 +1897,7 @@
           <a:p>
             <a:fld id="{6BFECD78-3C8E-49F2-8FAB-59489D168ABB}" type="datetimeFigureOut">
               <a:rPr lang="en-US" smtClean="0"/>
-              <a:t>3/20/18</a:t>
+              <a:t>3/22/18</a:t>
             </a:fld>
             <a:endParaRPr lang="en-US"/>
           </a:p>
@@ -1990,7 +1992,7 @@
           <a:p>
             <a:fld id="{6BFECD78-3C8E-49F2-8FAB-59489D168ABB}" type="datetimeFigureOut">
               <a:rPr lang="en-US" smtClean="0"/>
-              <a:t>3/20/18</a:t>
+              <a:t>3/22/18</a:t>
             </a:fld>
             <a:endParaRPr lang="en-US"/>
           </a:p>
@@ -2267,7 +2269,7 @@
           <a:p>
             <a:fld id="{6BFECD78-3C8E-49F2-8FAB-59489D168ABB}" type="datetimeFigureOut">
               <a:rPr lang="en-US" smtClean="0"/>
-              <a:t>3/20/18</a:t>
+              <a:t>3/22/18</a:t>
             </a:fld>
             <a:endParaRPr lang="en-US"/>
           </a:p>
@@ -2524,7 +2526,7 @@
           <a:p>
             <a:fld id="{6BFECD78-3C8E-49F2-8FAB-59489D168ABB}" type="datetimeFigureOut">
               <a:rPr lang="en-US" smtClean="0"/>
-              <a:t>3/20/18</a:t>
+              <a:t>3/22/18</a:t>
             </a:fld>
             <a:endParaRPr lang="en-US"/>
           </a:p>
@@ -2737,7 +2739,7 @@
           <a:p>
             <a:fld id="{6BFECD78-3C8E-49F2-8FAB-59489D168ABB}" type="datetimeFigureOut">
               <a:rPr lang="en-US" smtClean="0"/>
-              <a:t>3/20/18</a:t>
+              <a:t>3/22/18</a:t>
             </a:fld>
             <a:endParaRPr lang="en-US"/>
           </a:p>
@@ -3495,6 +3497,134 @@
           <a:bodyPr/>
           <a:lstStyle/>
           <a:p>
+            <a:endParaRPr lang="en-US"/>
+          </a:p>
+        </p:txBody>
+      </p:sp>
+      <p:pic>
+        <p:nvPicPr>
+          <p:cNvPr id="4" name="Picture 3" descr="Screen Shot 2018-03-22 at 12.10.21 AM.png"/>
+          <p:cNvPicPr>
+            <a:picLocks noChangeAspect="1"/>
+          </p:cNvPicPr>
+          <p:nvPr/>
+        </p:nvPicPr>
+        <p:blipFill>
+          <a:blip r:embed="rId2">
+            <a:extLst>
+              <a:ext uri="{28A0092B-C50C-407E-A947-70E740481C1C}">
+                <a14:useLocalDpi xmlns:a14="http://schemas.microsoft.com/office/drawing/2010/main" val="0"/>
+              </a:ext>
+            </a:extLst>
+          </a:blip>
+          <a:stretch>
+            <a:fillRect/>
+          </a:stretch>
+        </p:blipFill>
+        <p:spPr>
+          <a:xfrm>
+            <a:off x="1414027" y="72845"/>
+            <a:ext cx="4940300" cy="2743200"/>
+          </a:xfrm>
+          <a:prstGeom prst="rect">
+            <a:avLst/>
+          </a:prstGeom>
+        </p:spPr>
+      </p:pic>
+      <p:sp>
+        <p:nvSpPr>
+          <p:cNvPr id="7" name="Content Placeholder 6"/>
+          <p:cNvSpPr>
+            <a:spLocks noGrp="1"/>
+          </p:cNvSpPr>
+          <p:nvPr>
+            <p:ph idx="1"/>
+          </p:nvPr>
+        </p:nvSpPr>
+        <p:spPr/>
+        <p:txBody>
+          <a:bodyPr/>
+          <a:lstStyle/>
+          <a:p>
+            <a:endParaRPr lang="en-US"/>
+          </a:p>
+        </p:txBody>
+      </p:sp>
+      <p:pic>
+        <p:nvPicPr>
+          <p:cNvPr id="8" name="Picture 7" descr="Screen Shot 2018-03-22 at 12.11.32 AM.png"/>
+          <p:cNvPicPr>
+            <a:picLocks noChangeAspect="1"/>
+          </p:cNvPicPr>
+          <p:nvPr/>
+        </p:nvPicPr>
+        <p:blipFill>
+          <a:blip r:embed="rId3">
+            <a:extLst>
+              <a:ext uri="{28A0092B-C50C-407E-A947-70E740481C1C}">
+                <a14:useLocalDpi xmlns:a14="http://schemas.microsoft.com/office/drawing/2010/main" val="0"/>
+              </a:ext>
+            </a:extLst>
+          </a:blip>
+          <a:stretch>
+            <a:fillRect/>
+          </a:stretch>
+        </p:blipFill>
+        <p:spPr>
+          <a:xfrm>
+            <a:off x="4381500" y="310179"/>
+            <a:ext cx="4762500" cy="2667000"/>
+          </a:xfrm>
+          <a:prstGeom prst="rect">
+            <a:avLst/>
+          </a:prstGeom>
+        </p:spPr>
+      </p:pic>
+    </p:spTree>
+    <p:extLst>
+      <p:ext uri="{BB962C8B-B14F-4D97-AF65-F5344CB8AC3E}">
+        <p14:creationId xmlns:p14="http://schemas.microsoft.com/office/powerpoint/2010/main" val="56918106"/>
+      </p:ext>
+    </p:extLst>
+  </p:cSld>
+  <p:clrMapOvr>
+    <a:masterClrMapping/>
+  </p:clrMapOvr>
+</p:sld>
+</file>
+
+<file path=ppt/slides/slide13.xml><?xml version="1.0" encoding="utf-8"?>
+<p:sld xmlns:a="http://schemas.openxmlformats.org/drawingml/2006/main" xmlns:r="http://schemas.openxmlformats.org/officeDocument/2006/relationships" xmlns:p="http://schemas.openxmlformats.org/presentationml/2006/main">
+  <p:cSld>
+    <p:spTree>
+      <p:nvGrpSpPr>
+        <p:cNvPr id="1" name=""/>
+        <p:cNvGrpSpPr/>
+        <p:nvPr/>
+      </p:nvGrpSpPr>
+      <p:grpSpPr>
+        <a:xfrm>
+          <a:off x="0" y="0"/>
+          <a:ext cx="0" cy="0"/>
+          <a:chOff x="0" y="0"/>
+          <a:chExt cx="0" cy="0"/>
+        </a:xfrm>
+      </p:grpSpPr>
+      <p:sp>
+        <p:nvSpPr>
+          <p:cNvPr id="2" name="Title 1"/>
+          <p:cNvSpPr>
+            <a:spLocks noGrp="1"/>
+          </p:cNvSpPr>
+          <p:nvPr>
+            <p:ph type="title"/>
+          </p:nvPr>
+        </p:nvSpPr>
+        <p:spPr/>
+        <p:txBody>
+          <a:bodyPr/>
+          <a:lstStyle/>
+          <a:p>
             <a:r>
               <a:rPr lang="en-US" dirty="0" smtClean="0"/>
               <a:t>Describe </a:t>
@@ -3546,7 +3676,7 @@
 </p:sld>
 </file>
 
-<file path=ppt/slides/slide13.xml><?xml version="1.0" encoding="utf-8"?>
+<file path=ppt/slides/slide14.xml><?xml version="1.0" encoding="utf-8"?>
 <p:sld xmlns:a="http://schemas.openxmlformats.org/drawingml/2006/main" xmlns:r="http://schemas.openxmlformats.org/officeDocument/2006/relationships" xmlns:p="http://schemas.openxmlformats.org/presentationml/2006/main">
   <p:cSld>
     <p:spTree>
@@ -3580,6 +3710,89 @@
           <a:p>
             <a:r>
               <a:rPr lang="en-US" dirty="0" smtClean="0"/>
+              <a:t>Feature importance</a:t>
+            </a:r>
+            <a:endParaRPr lang="en-US" dirty="0"/>
+          </a:p>
+        </p:txBody>
+      </p:sp>
+      <p:pic>
+        <p:nvPicPr>
+          <p:cNvPr id="4" name="Content Placeholder 3" descr="Screen Shot 2018-03-22 at 1.26.49 AM.png"/>
+          <p:cNvPicPr>
+            <a:picLocks noGrp="1" noChangeAspect="1"/>
+          </p:cNvPicPr>
+          <p:nvPr>
+            <p:ph idx="1"/>
+          </p:nvPr>
+        </p:nvPicPr>
+        <p:blipFill>
+          <a:blip r:embed="rId2">
+            <a:extLst>
+              <a:ext uri="{28A0092B-C50C-407E-A947-70E740481C1C}">
+                <a14:useLocalDpi xmlns:a14="http://schemas.microsoft.com/office/drawing/2010/main" val="0"/>
+              </a:ext>
+            </a:extLst>
+          </a:blip>
+          <a:srcRect l="-42865" r="-42865"/>
+          <a:stretch>
+            <a:fillRect/>
+          </a:stretch>
+        </p:blipFill>
+        <p:spPr>
+          <a:xfrm>
+            <a:off x="-588047" y="1795338"/>
+            <a:ext cx="8229600" cy="4527550"/>
+          </a:xfrm>
+        </p:spPr>
+      </p:pic>
+    </p:spTree>
+    <p:extLst>
+      <p:ext uri="{BB962C8B-B14F-4D97-AF65-F5344CB8AC3E}">
+        <p14:creationId xmlns:p14="http://schemas.microsoft.com/office/powerpoint/2010/main" val="1474150034"/>
+      </p:ext>
+    </p:extLst>
+  </p:cSld>
+  <p:clrMapOvr>
+    <a:masterClrMapping/>
+  </p:clrMapOvr>
+</p:sld>
+</file>
+
+<file path=ppt/slides/slide15.xml><?xml version="1.0" encoding="utf-8"?>
+<p:sld xmlns:a="http://schemas.openxmlformats.org/drawingml/2006/main" xmlns:r="http://schemas.openxmlformats.org/officeDocument/2006/relationships" xmlns:p="http://schemas.openxmlformats.org/presentationml/2006/main">
+  <p:cSld>
+    <p:spTree>
+      <p:nvGrpSpPr>
+        <p:cNvPr id="1" name=""/>
+        <p:cNvGrpSpPr/>
+        <p:nvPr/>
+      </p:nvGrpSpPr>
+      <p:grpSpPr>
+        <a:xfrm>
+          <a:off x="0" y="0"/>
+          <a:ext cx="0" cy="0"/>
+          <a:chOff x="0" y="0"/>
+          <a:chExt cx="0" cy="0"/>
+        </a:xfrm>
+      </p:grpSpPr>
+      <p:sp>
+        <p:nvSpPr>
+          <p:cNvPr id="2" name="Title 1"/>
+          <p:cNvSpPr>
+            <a:spLocks noGrp="1"/>
+          </p:cNvSpPr>
+          <p:nvPr>
+            <p:ph type="title"/>
+          </p:nvPr>
+        </p:nvSpPr>
+        <p:spPr/>
+        <p:txBody>
+          <a:bodyPr/>
+          <a:lstStyle/>
+          <a:p>
+            <a:r>
+              <a:rPr lang="en-US" dirty="0" smtClean="0"/>
               <a:t>Classification funds met </a:t>
             </a:r>
             <a:r>
@@ -3789,11 +4002,6 @@
               </a:rPr>
               <a:t>” to see what time of day does it affect predictions. </a:t>
             </a:r>
-            <a:endParaRPr lang="en-US" dirty="0" smtClean="0">
-              <a:solidFill>
-                <a:srgbClr val="FF0000"/>
-              </a:solidFill>
-            </a:endParaRPr>
           </a:p>
           <a:p>
             <a:endParaRPr lang="en-US" dirty="0" smtClean="0">
@@ -3839,7 +4047,7 @@
 </p:sld>
 </file>
 
-<file path=ppt/slides/slide14.xml><?xml version="1.0" encoding="utf-8"?>
+<file path=ppt/slides/slide16.xml><?xml version="1.0" encoding="utf-8"?>
 <p:sld xmlns:a="http://schemas.openxmlformats.org/drawingml/2006/main" xmlns:r="http://schemas.openxmlformats.org/officeDocument/2006/relationships" xmlns:p="http://schemas.openxmlformats.org/presentationml/2006/main">
   <p:cSld>
     <p:spTree>
@@ -4588,11 +4796,7 @@
           <a:p>
             <a:r>
               <a:rPr lang="en-US" dirty="0" smtClean="0"/>
-              <a:t>25% met funded project </a:t>
-            </a:r>
-            <a:r>
-              <a:rPr lang="en-US" dirty="0" smtClean="0"/>
-              <a:t>goals by </a:t>
+              <a:t>25% met funded project goals by </a:t>
             </a:r>
             <a:r>
               <a:rPr lang="en-US" smtClean="0"/>
